--- a/trunk/Images/Scritte.pptx
+++ b/trunk/Images/Scritte.pptx
@@ -288,7 +288,8 @@
           <a:p>
             <a:fld id="{B1B906D7-09CA-4C28-9F56-7039FFA70BFF}" type="datetimeFigureOut">
               <a:rPr lang="en-US" smtClean="0"/>
-              <a:t>12/15/2009</a:t>
+              <a:pPr/>
+              <a:t>12/6/2010</a:t>
             </a:fld>
             <a:endParaRPr lang="en-US"/>
           </a:p>
@@ -330,6 +331,7 @@
           <a:p>
             <a:fld id="{03C10334-2BF5-4BBD-9BA7-108E8F70DEFE}" type="slidenum">
               <a:rPr lang="en-US" smtClean="0"/>
+              <a:pPr/>
               <a:t>‹#›</a:t>
             </a:fld>
             <a:endParaRPr lang="en-US"/>
@@ -453,7 +455,8 @@
           <a:p>
             <a:fld id="{B1B906D7-09CA-4C28-9F56-7039FFA70BFF}" type="datetimeFigureOut">
               <a:rPr lang="en-US" smtClean="0"/>
-              <a:t>12/15/2009</a:t>
+              <a:pPr/>
+              <a:t>12/6/2010</a:t>
             </a:fld>
             <a:endParaRPr lang="en-US"/>
           </a:p>
@@ -495,6 +498,7 @@
           <a:p>
             <a:fld id="{03C10334-2BF5-4BBD-9BA7-108E8F70DEFE}" type="slidenum">
               <a:rPr lang="en-US" smtClean="0"/>
+              <a:pPr/>
               <a:t>‹#›</a:t>
             </a:fld>
             <a:endParaRPr lang="en-US"/>
@@ -628,7 +632,8 @@
           <a:p>
             <a:fld id="{B1B906D7-09CA-4C28-9F56-7039FFA70BFF}" type="datetimeFigureOut">
               <a:rPr lang="en-US" smtClean="0"/>
-              <a:t>12/15/2009</a:t>
+              <a:pPr/>
+              <a:t>12/6/2010</a:t>
             </a:fld>
             <a:endParaRPr lang="en-US"/>
           </a:p>
@@ -670,6 +675,7 @@
           <a:p>
             <a:fld id="{03C10334-2BF5-4BBD-9BA7-108E8F70DEFE}" type="slidenum">
               <a:rPr lang="en-US" smtClean="0"/>
+              <a:pPr/>
               <a:t>‹#›</a:t>
             </a:fld>
             <a:endParaRPr lang="en-US"/>
@@ -793,7 +799,8 @@
           <a:p>
             <a:fld id="{B1B906D7-09CA-4C28-9F56-7039FFA70BFF}" type="datetimeFigureOut">
               <a:rPr lang="en-US" smtClean="0"/>
-              <a:t>12/15/2009</a:t>
+              <a:pPr/>
+              <a:t>12/6/2010</a:t>
             </a:fld>
             <a:endParaRPr lang="en-US"/>
           </a:p>
@@ -835,6 +842,7 @@
           <a:p>
             <a:fld id="{03C10334-2BF5-4BBD-9BA7-108E8F70DEFE}" type="slidenum">
               <a:rPr lang="en-US" smtClean="0"/>
+              <a:pPr/>
               <a:t>‹#›</a:t>
             </a:fld>
             <a:endParaRPr lang="en-US"/>
@@ -1034,7 +1042,8 @@
           <a:p>
             <a:fld id="{B1B906D7-09CA-4C28-9F56-7039FFA70BFF}" type="datetimeFigureOut">
               <a:rPr lang="en-US" smtClean="0"/>
-              <a:t>12/15/2009</a:t>
+              <a:pPr/>
+              <a:t>12/6/2010</a:t>
             </a:fld>
             <a:endParaRPr lang="en-US"/>
           </a:p>
@@ -1076,6 +1085,7 @@
           <a:p>
             <a:fld id="{03C10334-2BF5-4BBD-9BA7-108E8F70DEFE}" type="slidenum">
               <a:rPr lang="en-US" smtClean="0"/>
+              <a:pPr/>
               <a:t>‹#›</a:t>
             </a:fld>
             <a:endParaRPr lang="en-US"/>
@@ -1317,7 +1327,8 @@
           <a:p>
             <a:fld id="{B1B906D7-09CA-4C28-9F56-7039FFA70BFF}" type="datetimeFigureOut">
               <a:rPr lang="en-US" smtClean="0"/>
-              <a:t>12/15/2009</a:t>
+              <a:pPr/>
+              <a:t>12/6/2010</a:t>
             </a:fld>
             <a:endParaRPr lang="en-US"/>
           </a:p>
@@ -1359,6 +1370,7 @@
           <a:p>
             <a:fld id="{03C10334-2BF5-4BBD-9BA7-108E8F70DEFE}" type="slidenum">
               <a:rPr lang="en-US" smtClean="0"/>
+              <a:pPr/>
               <a:t>‹#›</a:t>
             </a:fld>
             <a:endParaRPr lang="en-US"/>
@@ -1734,7 +1746,8 @@
           <a:p>
             <a:fld id="{B1B906D7-09CA-4C28-9F56-7039FFA70BFF}" type="datetimeFigureOut">
               <a:rPr lang="en-US" smtClean="0"/>
-              <a:t>12/15/2009</a:t>
+              <a:pPr/>
+              <a:t>12/6/2010</a:t>
             </a:fld>
             <a:endParaRPr lang="en-US"/>
           </a:p>
@@ -1776,6 +1789,7 @@
           <a:p>
             <a:fld id="{03C10334-2BF5-4BBD-9BA7-108E8F70DEFE}" type="slidenum">
               <a:rPr lang="en-US" smtClean="0"/>
+              <a:pPr/>
               <a:t>‹#›</a:t>
             </a:fld>
             <a:endParaRPr lang="en-US"/>
@@ -1847,7 +1861,8 @@
           <a:p>
             <a:fld id="{B1B906D7-09CA-4C28-9F56-7039FFA70BFF}" type="datetimeFigureOut">
               <a:rPr lang="en-US" smtClean="0"/>
-              <a:t>12/15/2009</a:t>
+              <a:pPr/>
+              <a:t>12/6/2010</a:t>
             </a:fld>
             <a:endParaRPr lang="en-US"/>
           </a:p>
@@ -1889,6 +1904,7 @@
           <a:p>
             <a:fld id="{03C10334-2BF5-4BBD-9BA7-108E8F70DEFE}" type="slidenum">
               <a:rPr lang="en-US" smtClean="0"/>
+              <a:pPr/>
               <a:t>‹#›</a:t>
             </a:fld>
             <a:endParaRPr lang="en-US"/>
@@ -1937,7 +1953,8 @@
           <a:p>
             <a:fld id="{B1B906D7-09CA-4C28-9F56-7039FFA70BFF}" type="datetimeFigureOut">
               <a:rPr lang="en-US" smtClean="0"/>
-              <a:t>12/15/2009</a:t>
+              <a:pPr/>
+              <a:t>12/6/2010</a:t>
             </a:fld>
             <a:endParaRPr lang="en-US"/>
           </a:p>
@@ -1979,6 +1996,7 @@
           <a:p>
             <a:fld id="{03C10334-2BF5-4BBD-9BA7-108E8F70DEFE}" type="slidenum">
               <a:rPr lang="en-US" smtClean="0"/>
+              <a:pPr/>
               <a:t>‹#›</a:t>
             </a:fld>
             <a:endParaRPr lang="en-US"/>
@@ -2209,7 +2227,8 @@
           <a:p>
             <a:fld id="{B1B906D7-09CA-4C28-9F56-7039FFA70BFF}" type="datetimeFigureOut">
               <a:rPr lang="en-US" smtClean="0"/>
-              <a:t>12/15/2009</a:t>
+              <a:pPr/>
+              <a:t>12/6/2010</a:t>
             </a:fld>
             <a:endParaRPr lang="en-US"/>
           </a:p>
@@ -2251,6 +2270,7 @@
           <a:p>
             <a:fld id="{03C10334-2BF5-4BBD-9BA7-108E8F70DEFE}" type="slidenum">
               <a:rPr lang="en-US" smtClean="0"/>
+              <a:pPr/>
               <a:t>‹#›</a:t>
             </a:fld>
             <a:endParaRPr lang="en-US"/>
@@ -2457,7 +2477,8 @@
           <a:p>
             <a:fld id="{B1B906D7-09CA-4C28-9F56-7039FFA70BFF}" type="datetimeFigureOut">
               <a:rPr lang="en-US" smtClean="0"/>
-              <a:t>12/15/2009</a:t>
+              <a:pPr/>
+              <a:t>12/6/2010</a:t>
             </a:fld>
             <a:endParaRPr lang="en-US"/>
           </a:p>
@@ -2499,6 +2520,7 @@
           <a:p>
             <a:fld id="{03C10334-2BF5-4BBD-9BA7-108E8F70DEFE}" type="slidenum">
               <a:rPr lang="en-US" smtClean="0"/>
+              <a:pPr/>
               <a:t>‹#›</a:t>
             </a:fld>
             <a:endParaRPr lang="en-US"/>
@@ -2665,7 +2687,8 @@
           <a:p>
             <a:fld id="{B1B906D7-09CA-4C28-9F56-7039FFA70BFF}" type="datetimeFigureOut">
               <a:rPr lang="en-US" smtClean="0"/>
-              <a:t>12/15/2009</a:t>
+              <a:pPr/>
+              <a:t>12/6/2010</a:t>
             </a:fld>
             <a:endParaRPr lang="en-US"/>
           </a:p>
@@ -2743,6 +2766,7 @@
           <a:p>
             <a:fld id="{03C10334-2BF5-4BBD-9BA7-108E8F70DEFE}" type="slidenum">
               <a:rPr lang="en-US" smtClean="0"/>
+              <a:pPr/>
               <a:t>‹#›</a:t>
             </a:fld>
             <a:endParaRPr lang="en-US"/>
@@ -3813,6 +3837,173 @@
                 <a:latin typeface="Brush Script MT" pitchFamily="66" charset="0"/>
               </a:rPr>
               <a:t>Montoggio</a:t>
+            </a:r>
+            <a:endParaRPr lang="en-US" sz="4800" b="1" spc="50" dirty="0">
+              <a:ln w="11430"/>
+              <a:gradFill>
+                <a:gsLst>
+                  <a:gs pos="25000">
+                    <a:schemeClr val="accent2">
+                      <a:satMod val="155000"/>
+                    </a:schemeClr>
+                  </a:gs>
+                  <a:gs pos="100000">
+                    <a:schemeClr val="accent2">
+                      <a:shade val="45000"/>
+                      <a:satMod val="165000"/>
+                    </a:schemeClr>
+                  </a:gs>
+                </a:gsLst>
+                <a:lin ang="5400000"/>
+              </a:gradFill>
+              <a:effectLst>
+                <a:outerShdw blurRad="76200" dist="50800" dir="5400000" algn="tl" rotWithShape="0">
+                  <a:srgbClr val="000000">
+                    <a:alpha val="65000"/>
+                  </a:srgbClr>
+                </a:outerShdw>
+              </a:effectLst>
+              <a:latin typeface="Brush Script MT" pitchFamily="66" charset="0"/>
+            </a:endParaRPr>
+          </a:p>
+        </p:txBody>
+      </p:sp>
+      <p:sp>
+        <p:nvSpPr>
+          <p:cNvPr id="11" name="TextBox 10"/>
+          <p:cNvSpPr txBox="1"/>
+          <p:nvPr/>
+        </p:nvSpPr>
+        <p:spPr>
+          <a:xfrm>
+            <a:off x="3995936" y="2564904"/>
+            <a:ext cx="4786346" cy="830997"/>
+          </a:xfrm>
+          <a:prstGeom prst="rect">
+            <a:avLst/>
+          </a:prstGeom>
+          <a:noFill/>
+          <a:ln>
+            <a:noFill/>
+          </a:ln>
+          <a:effectLst>
+            <a:outerShdw blurRad="139700" dist="254000" dir="1200000" algn="l" rotWithShape="0">
+              <a:prstClr val="black">
+                <a:alpha val="20000"/>
+              </a:prstClr>
+            </a:outerShdw>
+          </a:effectLst>
+        </p:spPr>
+        <p:txBody>
+          <a:bodyPr wrap="square" rtlCol="0">
+            <a:spAutoFit/>
+            <a:scene3d>
+              <a:camera prst="orthographicFront"/>
+              <a:lightRig rig="soft" dir="tl">
+                <a:rot lat="0" lon="0" rev="0"/>
+              </a:lightRig>
+            </a:scene3d>
+            <a:sp3d contourW="25400" prstMaterial="matte">
+              <a:bevelT w="25400" h="55880" prst="artDeco"/>
+              <a:contourClr>
+                <a:schemeClr val="accent2">
+                  <a:tint val="20000"/>
+                </a:schemeClr>
+              </a:contourClr>
+            </a:sp3d>
+          </a:bodyPr>
+          <a:lstStyle/>
+          <a:p>
+            <a:pPr algn="ctr"/>
+            <a:r>
+              <a:rPr lang="en-US" sz="4800" b="1" spc="50" dirty="0" err="1" smtClean="0">
+                <a:ln w="11430"/>
+                <a:gradFill>
+                  <a:gsLst>
+                    <a:gs pos="25000">
+                      <a:schemeClr val="accent2">
+                        <a:satMod val="155000"/>
+                      </a:schemeClr>
+                    </a:gs>
+                    <a:gs pos="100000">
+                      <a:schemeClr val="accent2">
+                        <a:shade val="45000"/>
+                        <a:satMod val="165000"/>
+                      </a:schemeClr>
+                    </a:gs>
+                  </a:gsLst>
+                  <a:lin ang="5400000"/>
+                </a:gradFill>
+                <a:effectLst>
+                  <a:outerShdw blurRad="76200" dist="50800" dir="5400000" algn="tl" rotWithShape="0">
+                    <a:srgbClr val="000000">
+                      <a:alpha val="65000"/>
+                    </a:srgbClr>
+                  </a:outerShdw>
+                </a:effectLst>
+                <a:latin typeface="Brush Script MT" pitchFamily="66" charset="0"/>
+              </a:rPr>
+              <a:t>Pannello</a:t>
+            </a:r>
+            <a:r>
+              <a:rPr lang="en-US" sz="4800" b="1" spc="50" dirty="0" smtClean="0">
+                <a:ln w="11430"/>
+                <a:gradFill>
+                  <a:gsLst>
+                    <a:gs pos="25000">
+                      <a:schemeClr val="accent2">
+                        <a:satMod val="155000"/>
+                      </a:schemeClr>
+                    </a:gs>
+                    <a:gs pos="100000">
+                      <a:schemeClr val="accent2">
+                        <a:shade val="45000"/>
+                        <a:satMod val="165000"/>
+                      </a:schemeClr>
+                    </a:gs>
+                  </a:gsLst>
+                  <a:lin ang="5400000"/>
+                </a:gradFill>
+                <a:effectLst>
+                  <a:outerShdw blurRad="76200" dist="50800" dir="5400000" algn="tl" rotWithShape="0">
+                    <a:srgbClr val="000000">
+                      <a:alpha val="65000"/>
+                    </a:srgbClr>
+                  </a:outerShdw>
+                </a:effectLst>
+                <a:latin typeface="Brush Script MT" pitchFamily="66" charset="0"/>
+              </a:rPr>
+              <a:t> </a:t>
+            </a:r>
+            <a:r>
+              <a:rPr lang="en-US" sz="4800" b="1" spc="50" dirty="0" err="1" smtClean="0">
+                <a:ln w="11430"/>
+                <a:gradFill>
+                  <a:gsLst>
+                    <a:gs pos="25000">
+                      <a:schemeClr val="accent2">
+                        <a:satMod val="155000"/>
+                      </a:schemeClr>
+                    </a:gs>
+                    <a:gs pos="100000">
+                      <a:schemeClr val="accent2">
+                        <a:shade val="45000"/>
+                        <a:satMod val="165000"/>
+                      </a:schemeClr>
+                    </a:gs>
+                  </a:gsLst>
+                  <a:lin ang="5400000"/>
+                </a:gradFill>
+                <a:effectLst>
+                  <a:outerShdw blurRad="76200" dist="50800" dir="5400000" algn="tl" rotWithShape="0">
+                    <a:srgbClr val="000000">
+                      <a:alpha val="65000"/>
+                    </a:srgbClr>
+                  </a:outerShdw>
+                </a:effectLst>
+                <a:latin typeface="Brush Script MT" pitchFamily="66" charset="0"/>
+              </a:rPr>
+              <a:t>Utente</a:t>
             </a:r>
             <a:endParaRPr lang="en-US" sz="4800" b="1" spc="50" dirty="0">
               <a:ln w="11430"/>

--- a/trunk/Images/Scritte.pptx
+++ b/trunk/Images/Scritte.pptx
@@ -289,7 +289,7 @@
             <a:fld id="{B1B906D7-09CA-4C28-9F56-7039FFA70BFF}" type="datetimeFigureOut">
               <a:rPr lang="en-US" smtClean="0"/>
               <a:pPr/>
-              <a:t>12/6/2010</a:t>
+              <a:t>4/19/2011</a:t>
             </a:fld>
             <a:endParaRPr lang="en-US"/>
           </a:p>
@@ -456,7 +456,7 @@
             <a:fld id="{B1B906D7-09CA-4C28-9F56-7039FFA70BFF}" type="datetimeFigureOut">
               <a:rPr lang="en-US" smtClean="0"/>
               <a:pPr/>
-              <a:t>12/6/2010</a:t>
+              <a:t>4/19/2011</a:t>
             </a:fld>
             <a:endParaRPr lang="en-US"/>
           </a:p>
@@ -633,7 +633,7 @@
             <a:fld id="{B1B906D7-09CA-4C28-9F56-7039FFA70BFF}" type="datetimeFigureOut">
               <a:rPr lang="en-US" smtClean="0"/>
               <a:pPr/>
-              <a:t>12/6/2010</a:t>
+              <a:t>4/19/2011</a:t>
             </a:fld>
             <a:endParaRPr lang="en-US"/>
           </a:p>
@@ -800,7 +800,7 @@
             <a:fld id="{B1B906D7-09CA-4C28-9F56-7039FFA70BFF}" type="datetimeFigureOut">
               <a:rPr lang="en-US" smtClean="0"/>
               <a:pPr/>
-              <a:t>12/6/2010</a:t>
+              <a:t>4/19/2011</a:t>
             </a:fld>
             <a:endParaRPr lang="en-US"/>
           </a:p>
@@ -1043,7 +1043,7 @@
             <a:fld id="{B1B906D7-09CA-4C28-9F56-7039FFA70BFF}" type="datetimeFigureOut">
               <a:rPr lang="en-US" smtClean="0"/>
               <a:pPr/>
-              <a:t>12/6/2010</a:t>
+              <a:t>4/19/2011</a:t>
             </a:fld>
             <a:endParaRPr lang="en-US"/>
           </a:p>
@@ -1328,7 +1328,7 @@
             <a:fld id="{B1B906D7-09CA-4C28-9F56-7039FFA70BFF}" type="datetimeFigureOut">
               <a:rPr lang="en-US" smtClean="0"/>
               <a:pPr/>
-              <a:t>12/6/2010</a:t>
+              <a:t>4/19/2011</a:t>
             </a:fld>
             <a:endParaRPr lang="en-US"/>
           </a:p>
@@ -1747,7 +1747,7 @@
             <a:fld id="{B1B906D7-09CA-4C28-9F56-7039FFA70BFF}" type="datetimeFigureOut">
               <a:rPr lang="en-US" smtClean="0"/>
               <a:pPr/>
-              <a:t>12/6/2010</a:t>
+              <a:t>4/19/2011</a:t>
             </a:fld>
             <a:endParaRPr lang="en-US"/>
           </a:p>
@@ -1862,7 +1862,7 @@
             <a:fld id="{B1B906D7-09CA-4C28-9F56-7039FFA70BFF}" type="datetimeFigureOut">
               <a:rPr lang="en-US" smtClean="0"/>
               <a:pPr/>
-              <a:t>12/6/2010</a:t>
+              <a:t>4/19/2011</a:t>
             </a:fld>
             <a:endParaRPr lang="en-US"/>
           </a:p>
@@ -1954,7 +1954,7 @@
             <a:fld id="{B1B906D7-09CA-4C28-9F56-7039FFA70BFF}" type="datetimeFigureOut">
               <a:rPr lang="en-US" smtClean="0"/>
               <a:pPr/>
-              <a:t>12/6/2010</a:t>
+              <a:t>4/19/2011</a:t>
             </a:fld>
             <a:endParaRPr lang="en-US"/>
           </a:p>
@@ -2228,7 +2228,7 @@
             <a:fld id="{B1B906D7-09CA-4C28-9F56-7039FFA70BFF}" type="datetimeFigureOut">
               <a:rPr lang="en-US" smtClean="0"/>
               <a:pPr/>
-              <a:t>12/6/2010</a:t>
+              <a:t>4/19/2011</a:t>
             </a:fld>
             <a:endParaRPr lang="en-US"/>
           </a:p>
@@ -2478,7 +2478,7 @@
             <a:fld id="{B1B906D7-09CA-4C28-9F56-7039FFA70BFF}" type="datetimeFigureOut">
               <a:rPr lang="en-US" smtClean="0"/>
               <a:pPr/>
-              <a:t>12/6/2010</a:t>
+              <a:t>4/19/2011</a:t>
             </a:fld>
             <a:endParaRPr lang="en-US"/>
           </a:p>
@@ -2688,7 +2688,7 @@
             <a:fld id="{B1B906D7-09CA-4C28-9F56-7039FFA70BFF}" type="datetimeFigureOut">
               <a:rPr lang="en-US" smtClean="0"/>
               <a:pPr/>
-              <a:t>12/6/2010</a:t>
+              <a:t>4/19/2011</a:t>
             </a:fld>
             <a:endParaRPr lang="en-US"/>
           </a:p>
@@ -3061,29 +3061,29 @@
       </p:grpSpPr>
       <p:sp>
         <p:nvSpPr>
-          <p:cNvPr id="4" name="TextBox 3"/>
+          <p:cNvPr id="10" name="TextBox 9"/>
           <p:cNvSpPr txBox="1"/>
           <p:nvPr/>
         </p:nvSpPr>
         <p:spPr>
           <a:xfrm>
-            <a:off x="928662" y="1071546"/>
-            <a:ext cx="4786346" cy="830997"/>
+            <a:off x="1691680" y="1844824"/>
+            <a:ext cx="7200800" cy="830997"/>
           </a:xfrm>
           <a:prstGeom prst="rect">
             <a:avLst/>
           </a:prstGeom>
           <a:noFill/>
-          <a:ln>
+          <a:ln cmpd="thickThin">
             <a:noFill/>
           </a:ln>
-          <a:effectLst>
-            <a:outerShdw blurRad="139700" dist="254000" dir="1200000" algn="l" rotWithShape="0">
-              <a:prstClr val="black">
-                <a:alpha val="20000"/>
-              </a:prstClr>
-            </a:outerShdw>
-          </a:effectLst>
+          <a:effectLst/>
+          <a:scene3d>
+            <a:camera prst="orthographicFront">
+              <a:rot lat="0" lon="0" rev="0"/>
+            </a:camera>
+            <a:lightRig rig="threePt" dir="t"/>
+          </a:scene3d>
         </p:spPr>
         <p:txBody>
           <a:bodyPr wrap="square" rtlCol="0">
@@ -3107,24 +3107,11 @@
           <a:p>
             <a:pPr algn="ctr"/>
             <a:r>
-              <a:rPr lang="en-US" sz="4800" b="1" spc="50" dirty="0" smtClean="0">
+              <a:rPr lang="en-US" sz="4800" b="1" i="1" spc="50" dirty="0" smtClean="0">
                 <a:ln w="11430"/>
-                <a:gradFill>
-                  <a:gsLst>
-                    <a:gs pos="25000">
-                      <a:schemeClr val="accent2">
-                        <a:satMod val="155000"/>
-                      </a:schemeClr>
-                    </a:gs>
-                    <a:gs pos="100000">
-                      <a:schemeClr val="accent2">
-                        <a:shade val="45000"/>
-                        <a:satMod val="165000"/>
-                      </a:schemeClr>
-                    </a:gs>
-                  </a:gsLst>
-                  <a:lin ang="5400000"/>
-                </a:gradFill>
+                <a:solidFill>
+                  <a:srgbClr val="FFFF00"/>
+                </a:solidFill>
                 <a:effectLst>
                   <a:outerShdw blurRad="76200" dist="50800" dir="5400000" algn="tl" rotWithShape="0">
                     <a:srgbClr val="000000">
@@ -3132,58 +3119,15 @@
                     </a:srgbClr>
                   </a:outerShdw>
                 </a:effectLst>
-                <a:latin typeface="Brush Script MT" pitchFamily="66" charset="0"/>
+                <a:latin typeface="Berlin Sans FB" pitchFamily="34" charset="0"/>
               </a:rPr>
-              <a:t>Chi </a:t>
-            </a:r>
-            <a:r>
-              <a:rPr lang="en-US" sz="4800" b="1" spc="50" dirty="0" err="1" smtClean="0">
-                <a:ln w="11430"/>
-                <a:gradFill>
-                  <a:gsLst>
-                    <a:gs pos="25000">
-                      <a:schemeClr val="accent2">
-                        <a:satMod val="155000"/>
-                      </a:schemeClr>
-                    </a:gs>
-                    <a:gs pos="100000">
-                      <a:schemeClr val="accent2">
-                        <a:shade val="45000"/>
-                        <a:satMod val="165000"/>
-                      </a:schemeClr>
-                    </a:gs>
-                  </a:gsLst>
-                  <a:lin ang="5400000"/>
-                </a:gradFill>
-                <a:effectLst>
-                  <a:outerShdw blurRad="76200" dist="50800" dir="5400000" algn="tl" rotWithShape="0">
-                    <a:srgbClr val="000000">
-                      <a:alpha val="65000"/>
-                    </a:srgbClr>
-                  </a:outerShdw>
-                </a:effectLst>
-                <a:latin typeface="Brush Script MT" pitchFamily="66" charset="0"/>
-              </a:rPr>
-              <a:t>Siamo</a:t>
-            </a:r>
-            <a:endParaRPr lang="en-US" sz="4800" b="1" spc="50" dirty="0">
+              <a:t>…Climb the Discovery!</a:t>
+            </a:r>
+            <a:endParaRPr lang="en-US" sz="4800" b="1" i="1" spc="50" dirty="0">
               <a:ln w="11430"/>
-              <a:gradFill>
-                <a:gsLst>
-                  <a:gs pos="25000">
-                    <a:schemeClr val="accent2">
-                      <a:satMod val="155000"/>
-                    </a:schemeClr>
-                  </a:gs>
-                  <a:gs pos="100000">
-                    <a:schemeClr val="accent2">
-                      <a:shade val="45000"/>
-                      <a:satMod val="165000"/>
-                    </a:schemeClr>
-                  </a:gs>
-                </a:gsLst>
-                <a:lin ang="5400000"/>
-              </a:gradFill>
+              <a:solidFill>
+                <a:srgbClr val="FFFF00"/>
+              </a:solidFill>
               <a:effectLst>
                 <a:outerShdw blurRad="76200" dist="50800" dir="5400000" algn="tl" rotWithShape="0">
                   <a:srgbClr val="000000">
@@ -3191,846 +3135,7 @@
                   </a:srgbClr>
                 </a:outerShdw>
               </a:effectLst>
-              <a:latin typeface="Brush Script MT" pitchFamily="66" charset="0"/>
-            </a:endParaRPr>
-          </a:p>
-        </p:txBody>
-      </p:sp>
-      <p:sp>
-        <p:nvSpPr>
-          <p:cNvPr id="5" name="TextBox 4"/>
-          <p:cNvSpPr txBox="1"/>
-          <p:nvPr/>
-        </p:nvSpPr>
-        <p:spPr>
-          <a:xfrm>
-            <a:off x="571472" y="2071678"/>
-            <a:ext cx="4786346" cy="830997"/>
-          </a:xfrm>
-          <a:prstGeom prst="rect">
-            <a:avLst/>
-          </a:prstGeom>
-          <a:noFill/>
-          <a:ln>
-            <a:noFill/>
-          </a:ln>
-          <a:effectLst>
-            <a:outerShdw blurRad="139700" dist="254000" dir="1200000" algn="l" rotWithShape="0">
-              <a:prstClr val="black">
-                <a:alpha val="20000"/>
-              </a:prstClr>
-            </a:outerShdw>
-          </a:effectLst>
-        </p:spPr>
-        <p:txBody>
-          <a:bodyPr wrap="square" rtlCol="0">
-            <a:spAutoFit/>
-            <a:scene3d>
-              <a:camera prst="orthographicFront"/>
-              <a:lightRig rig="soft" dir="tl">
-                <a:rot lat="0" lon="0" rev="0"/>
-              </a:lightRig>
-            </a:scene3d>
-            <a:sp3d contourW="25400" prstMaterial="matte">
-              <a:bevelT w="25400" h="55880" prst="artDeco"/>
-              <a:contourClr>
-                <a:schemeClr val="accent2">
-                  <a:tint val="20000"/>
-                </a:schemeClr>
-              </a:contourClr>
-            </a:sp3d>
-          </a:bodyPr>
-          <a:lstStyle/>
-          <a:p>
-            <a:pPr algn="ctr"/>
-            <a:r>
-              <a:rPr lang="en-US" sz="4800" b="1" spc="50" dirty="0" err="1" smtClean="0">
-                <a:ln w="11430"/>
-                <a:gradFill>
-                  <a:gsLst>
-                    <a:gs pos="25000">
-                      <a:schemeClr val="accent2">
-                        <a:satMod val="155000"/>
-                      </a:schemeClr>
-                    </a:gs>
-                    <a:gs pos="100000">
-                      <a:schemeClr val="accent2">
-                        <a:shade val="45000"/>
-                        <a:satMod val="165000"/>
-                      </a:schemeClr>
-                    </a:gs>
-                  </a:gsLst>
-                  <a:lin ang="5400000"/>
-                </a:gradFill>
-                <a:effectLst>
-                  <a:outerShdw blurRad="76200" dist="50800" dir="5400000" algn="tl" rotWithShape="0">
-                    <a:srgbClr val="000000">
-                      <a:alpha val="65000"/>
-                    </a:srgbClr>
-                  </a:outerShdw>
-                </a:effectLst>
-                <a:latin typeface="Brush Script MT" pitchFamily="66" charset="0"/>
-              </a:rPr>
-              <a:t>Eventi</a:t>
-            </a:r>
-            <a:endParaRPr lang="en-US" sz="4800" b="1" spc="50" dirty="0">
-              <a:ln w="11430"/>
-              <a:gradFill>
-                <a:gsLst>
-                  <a:gs pos="25000">
-                    <a:schemeClr val="accent2">
-                      <a:satMod val="155000"/>
-                    </a:schemeClr>
-                  </a:gs>
-                  <a:gs pos="100000">
-                    <a:schemeClr val="accent2">
-                      <a:shade val="45000"/>
-                      <a:satMod val="165000"/>
-                    </a:schemeClr>
-                  </a:gs>
-                </a:gsLst>
-                <a:lin ang="5400000"/>
-              </a:gradFill>
-              <a:effectLst>
-                <a:outerShdw blurRad="76200" dist="50800" dir="5400000" algn="tl" rotWithShape="0">
-                  <a:srgbClr val="000000">
-                    <a:alpha val="65000"/>
-                  </a:srgbClr>
-                </a:outerShdw>
-              </a:effectLst>
-              <a:latin typeface="Brush Script MT" pitchFamily="66" charset="0"/>
-            </a:endParaRPr>
-          </a:p>
-        </p:txBody>
-      </p:sp>
-      <p:sp>
-        <p:nvSpPr>
-          <p:cNvPr id="6" name="TextBox 5"/>
-          <p:cNvSpPr txBox="1"/>
-          <p:nvPr/>
-        </p:nvSpPr>
-        <p:spPr>
-          <a:xfrm>
-            <a:off x="571472" y="3000372"/>
-            <a:ext cx="4786346" cy="830997"/>
-          </a:xfrm>
-          <a:prstGeom prst="rect">
-            <a:avLst/>
-          </a:prstGeom>
-          <a:noFill/>
-          <a:ln>
-            <a:noFill/>
-          </a:ln>
-          <a:effectLst>
-            <a:outerShdw blurRad="139700" dist="254000" dir="1200000" algn="l" rotWithShape="0">
-              <a:prstClr val="black">
-                <a:alpha val="20000"/>
-              </a:prstClr>
-            </a:outerShdw>
-          </a:effectLst>
-        </p:spPr>
-        <p:txBody>
-          <a:bodyPr wrap="square" rtlCol="0">
-            <a:spAutoFit/>
-            <a:scene3d>
-              <a:camera prst="orthographicFront"/>
-              <a:lightRig rig="soft" dir="tl">
-                <a:rot lat="0" lon="0" rev="0"/>
-              </a:lightRig>
-            </a:scene3d>
-            <a:sp3d contourW="25400" prstMaterial="matte">
-              <a:bevelT w="25400" h="55880" prst="artDeco"/>
-              <a:contourClr>
-                <a:schemeClr val="accent2">
-                  <a:tint val="20000"/>
-                </a:schemeClr>
-              </a:contourClr>
-            </a:sp3d>
-          </a:bodyPr>
-          <a:lstStyle/>
-          <a:p>
-            <a:pPr algn="ctr"/>
-            <a:r>
-              <a:rPr lang="en-US" sz="4800" b="1" spc="50" dirty="0" err="1" smtClean="0">
-                <a:ln w="11430"/>
-                <a:gradFill>
-                  <a:gsLst>
-                    <a:gs pos="25000">
-                      <a:schemeClr val="accent2">
-                        <a:satMod val="155000"/>
-                      </a:schemeClr>
-                    </a:gs>
-                    <a:gs pos="100000">
-                      <a:schemeClr val="accent2">
-                        <a:shade val="45000"/>
-                        <a:satMod val="165000"/>
-                      </a:schemeClr>
-                    </a:gs>
-                  </a:gsLst>
-                  <a:lin ang="5400000"/>
-                </a:gradFill>
-                <a:effectLst>
-                  <a:outerShdw blurRad="76200" dist="50800" dir="5400000" algn="tl" rotWithShape="0">
-                    <a:srgbClr val="000000">
-                      <a:alpha val="65000"/>
-                    </a:srgbClr>
-                  </a:outerShdw>
-                </a:effectLst>
-                <a:latin typeface="Brush Script MT" pitchFamily="66" charset="0"/>
-              </a:rPr>
-              <a:t>Percorsi</a:t>
-            </a:r>
-            <a:endParaRPr lang="en-US" sz="4800" b="1" spc="50" dirty="0">
-              <a:ln w="11430"/>
-              <a:gradFill>
-                <a:gsLst>
-                  <a:gs pos="25000">
-                    <a:schemeClr val="accent2">
-                      <a:satMod val="155000"/>
-                    </a:schemeClr>
-                  </a:gs>
-                  <a:gs pos="100000">
-                    <a:schemeClr val="accent2">
-                      <a:shade val="45000"/>
-                      <a:satMod val="165000"/>
-                    </a:schemeClr>
-                  </a:gs>
-                </a:gsLst>
-                <a:lin ang="5400000"/>
-              </a:gradFill>
-              <a:effectLst>
-                <a:outerShdw blurRad="76200" dist="50800" dir="5400000" algn="tl" rotWithShape="0">
-                  <a:srgbClr val="000000">
-                    <a:alpha val="65000"/>
-                  </a:srgbClr>
-                </a:outerShdw>
-              </a:effectLst>
-              <a:latin typeface="Brush Script MT" pitchFamily="66" charset="0"/>
-            </a:endParaRPr>
-          </a:p>
-        </p:txBody>
-      </p:sp>
-      <p:sp>
-        <p:nvSpPr>
-          <p:cNvPr id="7" name="TextBox 6"/>
-          <p:cNvSpPr txBox="1"/>
-          <p:nvPr/>
-        </p:nvSpPr>
-        <p:spPr>
-          <a:xfrm>
-            <a:off x="571472" y="4071942"/>
-            <a:ext cx="4786346" cy="830997"/>
-          </a:xfrm>
-          <a:prstGeom prst="rect">
-            <a:avLst/>
-          </a:prstGeom>
-          <a:noFill/>
-          <a:ln>
-            <a:noFill/>
-          </a:ln>
-          <a:effectLst>
-            <a:outerShdw blurRad="139700" dist="254000" dir="1200000" algn="l" rotWithShape="0">
-              <a:prstClr val="black">
-                <a:alpha val="20000"/>
-              </a:prstClr>
-            </a:outerShdw>
-          </a:effectLst>
-        </p:spPr>
-        <p:txBody>
-          <a:bodyPr wrap="square" rtlCol="0">
-            <a:spAutoFit/>
-            <a:scene3d>
-              <a:camera prst="orthographicFront"/>
-              <a:lightRig rig="soft" dir="tl">
-                <a:rot lat="0" lon="0" rev="0"/>
-              </a:lightRig>
-            </a:scene3d>
-            <a:sp3d contourW="25400" prstMaterial="matte">
-              <a:bevelT w="25400" h="55880" prst="artDeco"/>
-              <a:contourClr>
-                <a:schemeClr val="accent2">
-                  <a:tint val="20000"/>
-                </a:schemeClr>
-              </a:contourClr>
-            </a:sp3d>
-          </a:bodyPr>
-          <a:lstStyle/>
-          <a:p>
-            <a:pPr algn="ctr"/>
-            <a:r>
-              <a:rPr lang="en-US" sz="4800" b="1" spc="50" dirty="0" smtClean="0">
-                <a:ln w="11430"/>
-                <a:gradFill>
-                  <a:gsLst>
-                    <a:gs pos="25000">
-                      <a:schemeClr val="accent2">
-                        <a:satMod val="155000"/>
-                      </a:schemeClr>
-                    </a:gs>
-                    <a:gs pos="100000">
-                      <a:schemeClr val="accent2">
-                        <a:shade val="45000"/>
-                        <a:satMod val="165000"/>
-                      </a:schemeClr>
-                    </a:gs>
-                  </a:gsLst>
-                  <a:lin ang="5400000"/>
-                </a:gradFill>
-                <a:effectLst>
-                  <a:outerShdw blurRad="76200" dist="50800" dir="5400000" algn="tl" rotWithShape="0">
-                    <a:srgbClr val="000000">
-                      <a:alpha val="65000"/>
-                    </a:srgbClr>
-                  </a:outerShdw>
-                </a:effectLst>
-                <a:latin typeface="Brush Script MT" pitchFamily="66" charset="0"/>
-              </a:rPr>
-              <a:t>Links</a:t>
-            </a:r>
-            <a:endParaRPr lang="en-US" sz="4800" b="1" spc="50" dirty="0">
-              <a:ln w="11430"/>
-              <a:gradFill>
-                <a:gsLst>
-                  <a:gs pos="25000">
-                    <a:schemeClr val="accent2">
-                      <a:satMod val="155000"/>
-                    </a:schemeClr>
-                  </a:gs>
-                  <a:gs pos="100000">
-                    <a:schemeClr val="accent2">
-                      <a:shade val="45000"/>
-                      <a:satMod val="165000"/>
-                    </a:schemeClr>
-                  </a:gs>
-                </a:gsLst>
-                <a:lin ang="5400000"/>
-              </a:gradFill>
-              <a:effectLst>
-                <a:outerShdw blurRad="76200" dist="50800" dir="5400000" algn="tl" rotWithShape="0">
-                  <a:srgbClr val="000000">
-                    <a:alpha val="65000"/>
-                  </a:srgbClr>
-                </a:outerShdw>
-              </a:effectLst>
-              <a:latin typeface="Brush Script MT" pitchFamily="66" charset="0"/>
-            </a:endParaRPr>
-          </a:p>
-        </p:txBody>
-      </p:sp>
-      <p:sp>
-        <p:nvSpPr>
-          <p:cNvPr id="8" name="TextBox 7"/>
-          <p:cNvSpPr txBox="1"/>
-          <p:nvPr/>
-        </p:nvSpPr>
-        <p:spPr>
-          <a:xfrm>
-            <a:off x="357158" y="5072074"/>
-            <a:ext cx="4786346" cy="830997"/>
-          </a:xfrm>
-          <a:prstGeom prst="rect">
-            <a:avLst/>
-          </a:prstGeom>
-          <a:noFill/>
-          <a:ln>
-            <a:noFill/>
-          </a:ln>
-          <a:effectLst>
-            <a:outerShdw blurRad="139700" dist="254000" dir="1200000" algn="l" rotWithShape="0">
-              <a:prstClr val="black">
-                <a:alpha val="20000"/>
-              </a:prstClr>
-            </a:outerShdw>
-          </a:effectLst>
-        </p:spPr>
-        <p:txBody>
-          <a:bodyPr wrap="square" rtlCol="0">
-            <a:spAutoFit/>
-            <a:scene3d>
-              <a:camera prst="orthographicFront"/>
-              <a:lightRig rig="soft" dir="tl">
-                <a:rot lat="0" lon="0" rev="0"/>
-              </a:lightRig>
-            </a:scene3d>
-            <a:sp3d contourW="25400" prstMaterial="matte">
-              <a:bevelT w="25400" h="55880" prst="artDeco"/>
-              <a:contourClr>
-                <a:schemeClr val="accent2">
-                  <a:tint val="20000"/>
-                </a:schemeClr>
-              </a:contourClr>
-            </a:sp3d>
-          </a:bodyPr>
-          <a:lstStyle/>
-          <a:p>
-            <a:pPr algn="ctr"/>
-            <a:r>
-              <a:rPr lang="en-US" sz="4800" b="1" spc="50" dirty="0" err="1" smtClean="0">
-                <a:ln w="11430"/>
-                <a:gradFill>
-                  <a:gsLst>
-                    <a:gs pos="25000">
-                      <a:schemeClr val="accent2">
-                        <a:satMod val="155000"/>
-                      </a:schemeClr>
-                    </a:gs>
-                    <a:gs pos="100000">
-                      <a:schemeClr val="accent2">
-                        <a:shade val="45000"/>
-                        <a:satMod val="165000"/>
-                      </a:schemeClr>
-                    </a:gs>
-                  </a:gsLst>
-                  <a:lin ang="5400000"/>
-                </a:gradFill>
-                <a:effectLst>
-                  <a:outerShdw blurRad="76200" dist="50800" dir="5400000" algn="tl" rotWithShape="0">
-                    <a:srgbClr val="000000">
-                      <a:alpha val="65000"/>
-                    </a:srgbClr>
-                  </a:outerShdw>
-                </a:effectLst>
-                <a:latin typeface="Brush Script MT" pitchFamily="66" charset="0"/>
-              </a:rPr>
-              <a:t>Contattaci</a:t>
-            </a:r>
-            <a:endParaRPr lang="en-US" sz="4800" b="1" spc="50" dirty="0">
-              <a:ln w="11430"/>
-              <a:gradFill>
-                <a:gsLst>
-                  <a:gs pos="25000">
-                    <a:schemeClr val="accent2">
-                      <a:satMod val="155000"/>
-                    </a:schemeClr>
-                  </a:gs>
-                  <a:gs pos="100000">
-                    <a:schemeClr val="accent2">
-                      <a:shade val="45000"/>
-                      <a:satMod val="165000"/>
-                    </a:schemeClr>
-                  </a:gs>
-                </a:gsLst>
-                <a:lin ang="5400000"/>
-              </a:gradFill>
-              <a:effectLst>
-                <a:outerShdw blurRad="76200" dist="50800" dir="5400000" algn="tl" rotWithShape="0">
-                  <a:srgbClr val="000000">
-                    <a:alpha val="65000"/>
-                  </a:srgbClr>
-                </a:outerShdw>
-              </a:effectLst>
-              <a:latin typeface="Brush Script MT" pitchFamily="66" charset="0"/>
-            </a:endParaRPr>
-          </a:p>
-        </p:txBody>
-      </p:sp>
-      <p:sp>
-        <p:nvSpPr>
-          <p:cNvPr id="9" name="TextBox 8"/>
-          <p:cNvSpPr txBox="1"/>
-          <p:nvPr/>
-        </p:nvSpPr>
-        <p:spPr>
-          <a:xfrm>
-            <a:off x="2500298" y="214290"/>
-            <a:ext cx="4786346" cy="830997"/>
-          </a:xfrm>
-          <a:prstGeom prst="rect">
-            <a:avLst/>
-          </a:prstGeom>
-          <a:noFill/>
-          <a:ln>
-            <a:noFill/>
-          </a:ln>
-          <a:effectLst>
-            <a:outerShdw blurRad="139700" dist="254000" dir="1200000" algn="l" rotWithShape="0">
-              <a:prstClr val="black">
-                <a:alpha val="20000"/>
-              </a:prstClr>
-            </a:outerShdw>
-          </a:effectLst>
-        </p:spPr>
-        <p:txBody>
-          <a:bodyPr wrap="square" rtlCol="0">
-            <a:spAutoFit/>
-            <a:scene3d>
-              <a:camera prst="orthographicFront"/>
-              <a:lightRig rig="soft" dir="tl">
-                <a:rot lat="0" lon="0" rev="0"/>
-              </a:lightRig>
-            </a:scene3d>
-            <a:sp3d contourW="25400" prstMaterial="matte">
-              <a:bevelT w="25400" h="55880" prst="artDeco"/>
-              <a:contourClr>
-                <a:schemeClr val="accent2">
-                  <a:tint val="20000"/>
-                </a:schemeClr>
-              </a:contourClr>
-            </a:sp3d>
-          </a:bodyPr>
-          <a:lstStyle/>
-          <a:p>
-            <a:pPr algn="ctr"/>
-            <a:r>
-              <a:rPr lang="en-US" sz="4800" b="1" spc="50" dirty="0" smtClean="0">
-                <a:ln w="11430"/>
-                <a:gradFill>
-                  <a:gsLst>
-                    <a:gs pos="25000">
-                      <a:schemeClr val="accent2">
-                        <a:satMod val="155000"/>
-                      </a:schemeClr>
-                    </a:gs>
-                    <a:gs pos="100000">
-                      <a:schemeClr val="accent2">
-                        <a:shade val="45000"/>
-                        <a:satMod val="165000"/>
-                      </a:schemeClr>
-                    </a:gs>
-                  </a:gsLst>
-                  <a:lin ang="5400000"/>
-                </a:gradFill>
-                <a:effectLst>
-                  <a:outerShdw blurRad="76200" dist="50800" dir="5400000" algn="tl" rotWithShape="0">
-                    <a:srgbClr val="000000">
-                      <a:alpha val="65000"/>
-                    </a:srgbClr>
-                  </a:outerShdw>
-                </a:effectLst>
-                <a:latin typeface="Brush Script MT" pitchFamily="66" charset="0"/>
-              </a:rPr>
-              <a:t>Blog</a:t>
-            </a:r>
-            <a:endParaRPr lang="en-US" sz="4800" b="1" spc="50" dirty="0">
-              <a:ln w="11430"/>
-              <a:gradFill>
-                <a:gsLst>
-                  <a:gs pos="25000">
-                    <a:schemeClr val="accent2">
-                      <a:satMod val="155000"/>
-                    </a:schemeClr>
-                  </a:gs>
-                  <a:gs pos="100000">
-                    <a:schemeClr val="accent2">
-                      <a:shade val="45000"/>
-                      <a:satMod val="165000"/>
-                    </a:schemeClr>
-                  </a:gs>
-                </a:gsLst>
-                <a:lin ang="5400000"/>
-              </a:gradFill>
-              <a:effectLst>
-                <a:outerShdw blurRad="76200" dist="50800" dir="5400000" algn="tl" rotWithShape="0">
-                  <a:srgbClr val="000000">
-                    <a:alpha val="65000"/>
-                  </a:srgbClr>
-                </a:outerShdw>
-              </a:effectLst>
-              <a:latin typeface="Brush Script MT" pitchFamily="66" charset="0"/>
-            </a:endParaRPr>
-          </a:p>
-        </p:txBody>
-      </p:sp>
-      <p:sp>
-        <p:nvSpPr>
-          <p:cNvPr id="10" name="TextBox 9"/>
-          <p:cNvSpPr txBox="1"/>
-          <p:nvPr/>
-        </p:nvSpPr>
-        <p:spPr>
-          <a:xfrm>
-            <a:off x="285720" y="6027003"/>
-            <a:ext cx="8858280" cy="830997"/>
-          </a:xfrm>
-          <a:prstGeom prst="rect">
-            <a:avLst/>
-          </a:prstGeom>
-          <a:noFill/>
-          <a:ln>
-            <a:noFill/>
-          </a:ln>
-          <a:effectLst>
-            <a:outerShdw blurRad="139700" dist="254000" dir="1200000" algn="l" rotWithShape="0">
-              <a:prstClr val="black">
-                <a:alpha val="20000"/>
-              </a:prstClr>
-            </a:outerShdw>
-          </a:effectLst>
-        </p:spPr>
-        <p:txBody>
-          <a:bodyPr wrap="square" rtlCol="0">
-            <a:spAutoFit/>
-            <a:scene3d>
-              <a:camera prst="orthographicFront"/>
-              <a:lightRig rig="soft" dir="tl">
-                <a:rot lat="0" lon="0" rev="0"/>
-              </a:lightRig>
-            </a:scene3d>
-            <a:sp3d contourW="25400" prstMaterial="matte">
-              <a:bevelT w="25400" h="55880" prst="artDeco"/>
-              <a:contourClr>
-                <a:schemeClr val="accent2">
-                  <a:tint val="20000"/>
-                </a:schemeClr>
-              </a:contourClr>
-            </a:sp3d>
-          </a:bodyPr>
-          <a:lstStyle/>
-          <a:p>
-            <a:pPr algn="ctr"/>
-            <a:r>
-              <a:rPr lang="en-US" sz="4800" b="1" spc="50" dirty="0" smtClean="0">
-                <a:ln w="11430"/>
-                <a:gradFill>
-                  <a:gsLst>
-                    <a:gs pos="25000">
-                      <a:schemeClr val="accent2">
-                        <a:satMod val="155000"/>
-                      </a:schemeClr>
-                    </a:gs>
-                    <a:gs pos="100000">
-                      <a:schemeClr val="accent2">
-                        <a:shade val="45000"/>
-                        <a:satMod val="165000"/>
-                      </a:schemeClr>
-                    </a:gs>
-                  </a:gsLst>
-                  <a:lin ang="5400000"/>
-                </a:gradFill>
-                <a:effectLst>
-                  <a:outerShdw blurRad="76200" dist="50800" dir="5400000" algn="tl" rotWithShape="0">
-                    <a:srgbClr val="000000">
-                      <a:alpha val="65000"/>
-                    </a:srgbClr>
-                  </a:outerShdw>
-                </a:effectLst>
-                <a:latin typeface="Brush Script MT" pitchFamily="66" charset="0"/>
-              </a:rPr>
-              <a:t>Mountain Bike Group Scout </a:t>
-            </a:r>
-            <a:r>
-              <a:rPr lang="en-US" sz="4800" b="1" spc="50" dirty="0" err="1" smtClean="0">
-                <a:ln w="11430"/>
-                <a:gradFill>
-                  <a:gsLst>
-                    <a:gs pos="25000">
-                      <a:schemeClr val="accent2">
-                        <a:satMod val="155000"/>
-                      </a:schemeClr>
-                    </a:gs>
-                    <a:gs pos="100000">
-                      <a:schemeClr val="accent2">
-                        <a:shade val="45000"/>
-                        <a:satMod val="165000"/>
-                      </a:schemeClr>
-                    </a:gs>
-                  </a:gsLst>
-                  <a:lin ang="5400000"/>
-                </a:gradFill>
-                <a:effectLst>
-                  <a:outerShdw blurRad="76200" dist="50800" dir="5400000" algn="tl" rotWithShape="0">
-                    <a:srgbClr val="000000">
-                      <a:alpha val="65000"/>
-                    </a:srgbClr>
-                  </a:outerShdw>
-                </a:effectLst>
-                <a:latin typeface="Brush Script MT" pitchFamily="66" charset="0"/>
-              </a:rPr>
-              <a:t>Montoggio</a:t>
-            </a:r>
-            <a:endParaRPr lang="en-US" sz="4800" b="1" spc="50" dirty="0">
-              <a:ln w="11430"/>
-              <a:gradFill>
-                <a:gsLst>
-                  <a:gs pos="25000">
-                    <a:schemeClr val="accent2">
-                      <a:satMod val="155000"/>
-                    </a:schemeClr>
-                  </a:gs>
-                  <a:gs pos="100000">
-                    <a:schemeClr val="accent2">
-                      <a:shade val="45000"/>
-                      <a:satMod val="165000"/>
-                    </a:schemeClr>
-                  </a:gs>
-                </a:gsLst>
-                <a:lin ang="5400000"/>
-              </a:gradFill>
-              <a:effectLst>
-                <a:outerShdw blurRad="76200" dist="50800" dir="5400000" algn="tl" rotWithShape="0">
-                  <a:srgbClr val="000000">
-                    <a:alpha val="65000"/>
-                  </a:srgbClr>
-                </a:outerShdw>
-              </a:effectLst>
-              <a:latin typeface="Brush Script MT" pitchFamily="66" charset="0"/>
-            </a:endParaRPr>
-          </a:p>
-        </p:txBody>
-      </p:sp>
-      <p:sp>
-        <p:nvSpPr>
-          <p:cNvPr id="11" name="TextBox 10"/>
-          <p:cNvSpPr txBox="1"/>
-          <p:nvPr/>
-        </p:nvSpPr>
-        <p:spPr>
-          <a:xfrm>
-            <a:off x="3995936" y="2564904"/>
-            <a:ext cx="4786346" cy="830997"/>
-          </a:xfrm>
-          <a:prstGeom prst="rect">
-            <a:avLst/>
-          </a:prstGeom>
-          <a:noFill/>
-          <a:ln>
-            <a:noFill/>
-          </a:ln>
-          <a:effectLst>
-            <a:outerShdw blurRad="139700" dist="254000" dir="1200000" algn="l" rotWithShape="0">
-              <a:prstClr val="black">
-                <a:alpha val="20000"/>
-              </a:prstClr>
-            </a:outerShdw>
-          </a:effectLst>
-        </p:spPr>
-        <p:txBody>
-          <a:bodyPr wrap="square" rtlCol="0">
-            <a:spAutoFit/>
-            <a:scene3d>
-              <a:camera prst="orthographicFront"/>
-              <a:lightRig rig="soft" dir="tl">
-                <a:rot lat="0" lon="0" rev="0"/>
-              </a:lightRig>
-            </a:scene3d>
-            <a:sp3d contourW="25400" prstMaterial="matte">
-              <a:bevelT w="25400" h="55880" prst="artDeco"/>
-              <a:contourClr>
-                <a:schemeClr val="accent2">
-                  <a:tint val="20000"/>
-                </a:schemeClr>
-              </a:contourClr>
-            </a:sp3d>
-          </a:bodyPr>
-          <a:lstStyle/>
-          <a:p>
-            <a:pPr algn="ctr"/>
-            <a:r>
-              <a:rPr lang="en-US" sz="4800" b="1" spc="50" dirty="0" err="1" smtClean="0">
-                <a:ln w="11430"/>
-                <a:gradFill>
-                  <a:gsLst>
-                    <a:gs pos="25000">
-                      <a:schemeClr val="accent2">
-                        <a:satMod val="155000"/>
-                      </a:schemeClr>
-                    </a:gs>
-                    <a:gs pos="100000">
-                      <a:schemeClr val="accent2">
-                        <a:shade val="45000"/>
-                        <a:satMod val="165000"/>
-                      </a:schemeClr>
-                    </a:gs>
-                  </a:gsLst>
-                  <a:lin ang="5400000"/>
-                </a:gradFill>
-                <a:effectLst>
-                  <a:outerShdw blurRad="76200" dist="50800" dir="5400000" algn="tl" rotWithShape="0">
-                    <a:srgbClr val="000000">
-                      <a:alpha val="65000"/>
-                    </a:srgbClr>
-                  </a:outerShdw>
-                </a:effectLst>
-                <a:latin typeface="Brush Script MT" pitchFamily="66" charset="0"/>
-              </a:rPr>
-              <a:t>Pannello</a:t>
-            </a:r>
-            <a:r>
-              <a:rPr lang="en-US" sz="4800" b="1" spc="50" dirty="0" smtClean="0">
-                <a:ln w="11430"/>
-                <a:gradFill>
-                  <a:gsLst>
-                    <a:gs pos="25000">
-                      <a:schemeClr val="accent2">
-                        <a:satMod val="155000"/>
-                      </a:schemeClr>
-                    </a:gs>
-                    <a:gs pos="100000">
-                      <a:schemeClr val="accent2">
-                        <a:shade val="45000"/>
-                        <a:satMod val="165000"/>
-                      </a:schemeClr>
-                    </a:gs>
-                  </a:gsLst>
-                  <a:lin ang="5400000"/>
-                </a:gradFill>
-                <a:effectLst>
-                  <a:outerShdw blurRad="76200" dist="50800" dir="5400000" algn="tl" rotWithShape="0">
-                    <a:srgbClr val="000000">
-                      <a:alpha val="65000"/>
-                    </a:srgbClr>
-                  </a:outerShdw>
-                </a:effectLst>
-                <a:latin typeface="Brush Script MT" pitchFamily="66" charset="0"/>
-              </a:rPr>
-              <a:t> </a:t>
-            </a:r>
-            <a:r>
-              <a:rPr lang="en-US" sz="4800" b="1" spc="50" dirty="0" err="1" smtClean="0">
-                <a:ln w="11430"/>
-                <a:gradFill>
-                  <a:gsLst>
-                    <a:gs pos="25000">
-                      <a:schemeClr val="accent2">
-                        <a:satMod val="155000"/>
-                      </a:schemeClr>
-                    </a:gs>
-                    <a:gs pos="100000">
-                      <a:schemeClr val="accent2">
-                        <a:shade val="45000"/>
-                        <a:satMod val="165000"/>
-                      </a:schemeClr>
-                    </a:gs>
-                  </a:gsLst>
-                  <a:lin ang="5400000"/>
-                </a:gradFill>
-                <a:effectLst>
-                  <a:outerShdw blurRad="76200" dist="50800" dir="5400000" algn="tl" rotWithShape="0">
-                    <a:srgbClr val="000000">
-                      <a:alpha val="65000"/>
-                    </a:srgbClr>
-                  </a:outerShdw>
-                </a:effectLst>
-                <a:latin typeface="Brush Script MT" pitchFamily="66" charset="0"/>
-              </a:rPr>
-              <a:t>Utente</a:t>
-            </a:r>
-            <a:endParaRPr lang="en-US" sz="4800" b="1" spc="50" dirty="0">
-              <a:ln w="11430"/>
-              <a:gradFill>
-                <a:gsLst>
-                  <a:gs pos="25000">
-                    <a:schemeClr val="accent2">
-                      <a:satMod val="155000"/>
-                    </a:schemeClr>
-                  </a:gs>
-                  <a:gs pos="100000">
-                    <a:schemeClr val="accent2">
-                      <a:shade val="45000"/>
-                      <a:satMod val="165000"/>
-                    </a:schemeClr>
-                  </a:gs>
-                </a:gsLst>
-                <a:lin ang="5400000"/>
-              </a:gradFill>
-              <a:effectLst>
-                <a:outerShdw blurRad="76200" dist="50800" dir="5400000" algn="tl" rotWithShape="0">
-                  <a:srgbClr val="000000">
-                    <a:alpha val="65000"/>
-                  </a:srgbClr>
-                </a:outerShdw>
-              </a:effectLst>
-              <a:latin typeface="Brush Script MT" pitchFamily="66" charset="0"/>
+              <a:latin typeface="Berlin Sans FB" pitchFamily="34" charset="0"/>
             </a:endParaRPr>
           </a:p>
         </p:txBody>
